--- a/presentation-ndc2014Lon-HtmlHybridCrossPlatformApps.pptx
+++ b/presentation-ndc2014Lon-HtmlHybridCrossPlatformApps.pptx
@@ -30147,7 +30147,7 @@
         <p:spPr>
           <a:xfrm>
             <a:off x="539552" y="2492896"/>
-            <a:ext cx="8064895" cy="2308324"/>
+            <a:ext cx="8064895" cy="3354765"/>
           </a:xfrm>
           <a:prstGeom prst="rect">
             <a:avLst/>
@@ -30192,11 +30192,44 @@
                   </a:schemeClr>
                 </a:solidFill>
               </a:rPr>
-              <a:t>Never Live Code Whilst Speaking at a Conference (unless you are                  )</a:t>
-            </a:r>
+              <a:t>Never Live Code Whilst Speaking at a Conference (unless you are                  </a:t>
+            </a:r>
+            <a:r>
+              <a:rPr lang="en-GB" sz="3600" dirty="0" smtClean="0">
+                <a:solidFill>
+                  <a:schemeClr val="bg1">
+                    <a:lumMod val="50000"/>
+                  </a:schemeClr>
+                </a:solidFill>
+              </a:rPr>
+              <a:t>)</a:t>
+            </a:r>
+          </a:p>
+          <a:p>
+            <a:pPr algn="ctr"/>
             <a:endParaRPr lang="en-GB" sz="3600" dirty="0">
               <a:solidFill>
                 <a:schemeClr val="bg1">
+                  <a:lumMod val="50000"/>
+                </a:schemeClr>
+              </a:solidFill>
+            </a:endParaRPr>
+          </a:p>
+          <a:p>
+            <a:pPr algn="ctr"/>
+            <a:r>
+              <a:rPr lang="en-GB" sz="3200" dirty="0">
+                <a:solidFill>
+                  <a:schemeClr val="tx1">
+                    <a:lumMod val="50000"/>
+                  </a:schemeClr>
+                </a:solidFill>
+              </a:rPr>
+              <a:t>https://github.com/penderi/ndc2014London</a:t>
+            </a:r>
+            <a:endParaRPr lang="en-GB" sz="3600" dirty="0">
+              <a:solidFill>
+                <a:schemeClr val="tx1">
                   <a:lumMod val="50000"/>
                 </a:schemeClr>
               </a:solidFill>
